--- a/愛祢到底.pptx
+++ b/愛祢到底.pptx
@@ -291,7 +291,7 @@
             <a:fld id="{B1E1B25A-991E-4DF1-8691-3294049894C5}" type="datetimeFigureOut">
               <a:rPr lang="zh-TW" altLang="en-US" smtClean="0"/>
               <a:pPr/>
-              <a:t>2018/2/2</a:t>
+              <a:t>2019/1/19</a:t>
             </a:fld>
             <a:endParaRPr lang="zh-TW" altLang="en-US"/>
           </a:p>
@@ -458,7 +458,7 @@
             <a:fld id="{B1E1B25A-991E-4DF1-8691-3294049894C5}" type="datetimeFigureOut">
               <a:rPr lang="zh-TW" altLang="en-US" smtClean="0"/>
               <a:pPr/>
-              <a:t>2018/2/2</a:t>
+              <a:t>2019/1/19</a:t>
             </a:fld>
             <a:endParaRPr lang="zh-TW" altLang="en-US"/>
           </a:p>
@@ -635,7 +635,7 @@
             <a:fld id="{B1E1B25A-991E-4DF1-8691-3294049894C5}" type="datetimeFigureOut">
               <a:rPr lang="zh-TW" altLang="en-US" smtClean="0"/>
               <a:pPr/>
-              <a:t>2018/2/2</a:t>
+              <a:t>2019/1/19</a:t>
             </a:fld>
             <a:endParaRPr lang="zh-TW" altLang="en-US"/>
           </a:p>
@@ -802,7 +802,7 @@
             <a:fld id="{B1E1B25A-991E-4DF1-8691-3294049894C5}" type="datetimeFigureOut">
               <a:rPr lang="zh-TW" altLang="en-US" smtClean="0"/>
               <a:pPr/>
-              <a:t>2018/2/2</a:t>
+              <a:t>2019/1/19</a:t>
             </a:fld>
             <a:endParaRPr lang="zh-TW" altLang="en-US"/>
           </a:p>
@@ -1045,7 +1045,7 @@
             <a:fld id="{B1E1B25A-991E-4DF1-8691-3294049894C5}" type="datetimeFigureOut">
               <a:rPr lang="zh-TW" altLang="en-US" smtClean="0"/>
               <a:pPr/>
-              <a:t>2018/2/2</a:t>
+              <a:t>2019/1/19</a:t>
             </a:fld>
             <a:endParaRPr lang="zh-TW" altLang="en-US"/>
           </a:p>
@@ -1330,7 +1330,7 @@
             <a:fld id="{B1E1B25A-991E-4DF1-8691-3294049894C5}" type="datetimeFigureOut">
               <a:rPr lang="zh-TW" altLang="en-US" smtClean="0"/>
               <a:pPr/>
-              <a:t>2018/2/2</a:t>
+              <a:t>2019/1/19</a:t>
             </a:fld>
             <a:endParaRPr lang="zh-TW" altLang="en-US"/>
           </a:p>
@@ -1749,7 +1749,7 @@
             <a:fld id="{B1E1B25A-991E-4DF1-8691-3294049894C5}" type="datetimeFigureOut">
               <a:rPr lang="zh-TW" altLang="en-US" smtClean="0"/>
               <a:pPr/>
-              <a:t>2018/2/2</a:t>
+              <a:t>2019/1/19</a:t>
             </a:fld>
             <a:endParaRPr lang="zh-TW" altLang="en-US"/>
           </a:p>
@@ -1864,7 +1864,7 @@
             <a:fld id="{B1E1B25A-991E-4DF1-8691-3294049894C5}" type="datetimeFigureOut">
               <a:rPr lang="zh-TW" altLang="en-US" smtClean="0"/>
               <a:pPr/>
-              <a:t>2018/2/2</a:t>
+              <a:t>2019/1/19</a:t>
             </a:fld>
             <a:endParaRPr lang="zh-TW" altLang="en-US"/>
           </a:p>
@@ -1956,7 +1956,7 @@
             <a:fld id="{B1E1B25A-991E-4DF1-8691-3294049894C5}" type="datetimeFigureOut">
               <a:rPr lang="zh-TW" altLang="en-US" smtClean="0"/>
               <a:pPr/>
-              <a:t>2018/2/2</a:t>
+              <a:t>2019/1/19</a:t>
             </a:fld>
             <a:endParaRPr lang="zh-TW" altLang="en-US"/>
           </a:p>
@@ -2230,7 +2230,7 @@
             <a:fld id="{B1E1B25A-991E-4DF1-8691-3294049894C5}" type="datetimeFigureOut">
               <a:rPr lang="zh-TW" altLang="en-US" smtClean="0"/>
               <a:pPr/>
-              <a:t>2018/2/2</a:t>
+              <a:t>2019/1/19</a:t>
             </a:fld>
             <a:endParaRPr lang="zh-TW" altLang="en-US"/>
           </a:p>
@@ -2484,7 +2484,7 @@
             <a:fld id="{B1E1B25A-991E-4DF1-8691-3294049894C5}" type="datetimeFigureOut">
               <a:rPr lang="zh-TW" altLang="en-US" smtClean="0"/>
               <a:pPr/>
-              <a:t>2018/2/2</a:t>
+              <a:t>2019/1/19</a:t>
             </a:fld>
             <a:endParaRPr lang="zh-TW" altLang="en-US"/>
           </a:p>
@@ -2699,7 +2699,7 @@
             <a:fld id="{B1E1B25A-991E-4DF1-8691-3294049894C5}" type="datetimeFigureOut">
               <a:rPr lang="zh-TW" altLang="en-US" smtClean="0"/>
               <a:pPr/>
-              <a:t>2018/2/2</a:t>
+              <a:t>2019/1/19</a:t>
             </a:fld>
             <a:endParaRPr lang="zh-TW" altLang="en-US"/>
           </a:p>
@@ -3087,12 +3087,18 @@
           <a:p>
             <a:r>
               <a:rPr lang="zh-TW" altLang="en-US" b="1" dirty="0">
+                <a:solidFill>
+                  <a:srgbClr val="000066"/>
+                </a:solidFill>
                 <a:latin typeface="微軟正黑體" pitchFamily="34" charset="-120"/>
                 <a:ea typeface="微軟正黑體" pitchFamily="34" charset="-120"/>
               </a:rPr>
               <a:t>愛祢到底</a:t>
             </a:r>
             <a:endParaRPr lang="zh-TW" altLang="en-US" dirty="0">
+              <a:solidFill>
+                <a:srgbClr val="000066"/>
+              </a:solidFill>
               <a:latin typeface="微軟正黑體" pitchFamily="34" charset="-120"/>
               <a:ea typeface="微軟正黑體" pitchFamily="34" charset="-120"/>
             </a:endParaRPr>
@@ -3126,6 +3132,9 @@
             </a:pPr>
             <a:r>
               <a:rPr lang="zh-TW" altLang="en-US" sz="5400" b="1" dirty="0">
+                <a:solidFill>
+                  <a:srgbClr val="000066"/>
+                </a:solidFill>
                 <a:latin typeface="微軟正黑體" pitchFamily="34" charset="-120"/>
                 <a:ea typeface="微軟正黑體" pitchFamily="34" charset="-120"/>
               </a:rPr>
@@ -3133,6 +3142,9 @@
             </a:r>
             <a:r>
               <a:rPr lang="zh-TW" altLang="en-US" sz="5400" b="1" dirty="0" smtClean="0">
+                <a:solidFill>
+                  <a:srgbClr val="000066"/>
+                </a:solidFill>
                 <a:latin typeface="微軟正黑體" pitchFamily="34" charset="-120"/>
                 <a:ea typeface="微軟正黑體" pitchFamily="34" charset="-120"/>
               </a:rPr>
@@ -3140,6 +3152,9 @@
             </a:r>
             <a:r>
               <a:rPr lang="zh-TW" altLang="en-US" sz="5400" b="1" dirty="0">
+                <a:solidFill>
+                  <a:srgbClr val="000066"/>
+                </a:solidFill>
                 <a:latin typeface="微軟正黑體" pitchFamily="34" charset="-120"/>
                 <a:ea typeface="微軟正黑體" pitchFamily="34" charset="-120"/>
               </a:rPr>
@@ -3147,12 +3162,18 @@
             </a:r>
             <a:r>
               <a:rPr lang="en-US" sz="5400" b="1" dirty="0">
+                <a:solidFill>
+                  <a:srgbClr val="000066"/>
+                </a:solidFill>
                 <a:latin typeface="微軟正黑體" pitchFamily="34" charset="-120"/>
                 <a:ea typeface="微軟正黑體" pitchFamily="34" charset="-120"/>
               </a:rPr>
               <a:t> </a:t>
             </a:r>
             <a:endParaRPr lang="en-US" sz="5400" b="1" dirty="0" smtClean="0">
+              <a:solidFill>
+                <a:srgbClr val="000066"/>
+              </a:solidFill>
               <a:latin typeface="微軟正黑體" pitchFamily="34" charset="-120"/>
               <a:ea typeface="微軟正黑體" pitchFamily="34" charset="-120"/>
             </a:endParaRPr>
@@ -3163,6 +3184,9 @@
             </a:pPr>
             <a:r>
               <a:rPr lang="zh-TW" altLang="en-US" sz="5400" b="1" dirty="0" smtClean="0">
+                <a:solidFill>
+                  <a:srgbClr val="000066"/>
+                </a:solidFill>
                 <a:latin typeface="微軟正黑體" pitchFamily="34" charset="-120"/>
                 <a:ea typeface="微軟正黑體" pitchFamily="34" charset="-120"/>
               </a:rPr>
@@ -3170,6 +3194,9 @@
             </a:r>
             <a:r>
               <a:rPr lang="zh-TW" altLang="en-US" sz="5400" b="1" dirty="0">
+                <a:solidFill>
+                  <a:srgbClr val="000066"/>
+                </a:solidFill>
                 <a:latin typeface="微軟正黑體" pitchFamily="34" charset="-120"/>
                 <a:ea typeface="微軟正黑體" pitchFamily="34" charset="-120"/>
               </a:rPr>
@@ -3177,12 +3204,18 @@
             </a:r>
             <a:r>
               <a:rPr lang="zh-TW" altLang="en-US" sz="5400" b="1" dirty="0" smtClean="0">
+                <a:solidFill>
+                  <a:srgbClr val="000066"/>
+                </a:solidFill>
                 <a:latin typeface="微軟正黑體" pitchFamily="34" charset="-120"/>
                 <a:ea typeface="微軟正黑體" pitchFamily="34" charset="-120"/>
               </a:rPr>
               <a:t>祢</a:t>
             </a:r>
             <a:endParaRPr lang="en-US" altLang="zh-TW" sz="5400" b="1" dirty="0" smtClean="0">
+              <a:solidFill>
+                <a:srgbClr val="000066"/>
+              </a:solidFill>
               <a:latin typeface="微軟正黑體" pitchFamily="34" charset="-120"/>
               <a:ea typeface="微軟正黑體" pitchFamily="34" charset="-120"/>
             </a:endParaRPr>
@@ -3193,6 +3226,9 @@
             </a:pPr>
             <a:r>
               <a:rPr lang="zh-TW" altLang="en-US" sz="5400" b="1" dirty="0" smtClean="0">
+                <a:solidFill>
+                  <a:srgbClr val="000066"/>
+                </a:solidFill>
                 <a:latin typeface="微軟正黑體" pitchFamily="34" charset="-120"/>
                 <a:ea typeface="微軟正黑體" pitchFamily="34" charset="-120"/>
               </a:rPr>
@@ -3200,6 +3236,9 @@
             </a:r>
             <a:r>
               <a:rPr lang="zh-TW" altLang="en-US" sz="5400" b="1" dirty="0">
+                <a:solidFill>
+                  <a:srgbClr val="000066"/>
+                </a:solidFill>
                 <a:latin typeface="微軟正黑體" pitchFamily="34" charset="-120"/>
                 <a:ea typeface="微軟正黑體" pitchFamily="34" charset="-120"/>
               </a:rPr>
@@ -3207,6 +3246,9 @@
             </a:r>
             <a:r>
               <a:rPr lang="zh-TW" altLang="en-US" sz="5400" b="1" dirty="0" smtClean="0">
+                <a:solidFill>
+                  <a:srgbClr val="000066"/>
+                </a:solidFill>
                 <a:latin typeface="微軟正黑體" pitchFamily="34" charset="-120"/>
                 <a:ea typeface="微軟正黑體" pitchFamily="34" charset="-120"/>
               </a:rPr>
@@ -3214,6 +3256,9 @@
             </a:r>
             <a:r>
               <a:rPr lang="zh-TW" altLang="en-US" sz="5400" b="1" dirty="0">
+                <a:solidFill>
+                  <a:srgbClr val="000066"/>
+                </a:solidFill>
                 <a:latin typeface="微軟正黑體" pitchFamily="34" charset="-120"/>
                 <a:ea typeface="微軟正黑體" pitchFamily="34" charset="-120"/>
               </a:rPr>
@@ -3221,12 +3266,18 @@
             </a:r>
             <a:r>
               <a:rPr lang="zh-TW" altLang="en-US" sz="5400" b="1" dirty="0" smtClean="0">
+                <a:solidFill>
+                  <a:srgbClr val="000066"/>
+                </a:solidFill>
                 <a:latin typeface="微軟正黑體" pitchFamily="34" charset="-120"/>
                 <a:ea typeface="微軟正黑體" pitchFamily="34" charset="-120"/>
               </a:rPr>
               <a:t>得力</a:t>
             </a:r>
             <a:endParaRPr lang="en-US" altLang="zh-TW" sz="5400" b="1" dirty="0" smtClean="0">
+              <a:solidFill>
+                <a:srgbClr val="000066"/>
+              </a:solidFill>
               <a:latin typeface="微軟正黑體" pitchFamily="34" charset="-120"/>
               <a:ea typeface="微軟正黑體" pitchFamily="34" charset="-120"/>
             </a:endParaRPr>
@@ -3237,6 +3288,9 @@
             </a:pPr>
             <a:r>
               <a:rPr lang="zh-TW" altLang="en-US" sz="5400" b="1" dirty="0" smtClean="0">
+                <a:solidFill>
+                  <a:srgbClr val="000066"/>
+                </a:solidFill>
                 <a:latin typeface="微軟正黑體" pitchFamily="34" charset="-120"/>
                 <a:ea typeface="微軟正黑體" pitchFamily="34" charset="-120"/>
               </a:rPr>
@@ -3244,6 +3298,9 @@
             </a:r>
             <a:r>
               <a:rPr lang="zh-TW" altLang="en-US" sz="5400" b="1" dirty="0">
+                <a:solidFill>
+                  <a:srgbClr val="000066"/>
+                </a:solidFill>
                 <a:latin typeface="微軟正黑體" pitchFamily="34" charset="-120"/>
                 <a:ea typeface="微軟正黑體" pitchFamily="34" charset="-120"/>
               </a:rPr>
@@ -3251,12 +3308,18 @@
             </a:r>
             <a:r>
               <a:rPr lang="zh-TW" altLang="en-US" sz="5400" b="1" dirty="0" smtClean="0">
+                <a:solidFill>
+                  <a:srgbClr val="000066"/>
+                </a:solidFill>
                 <a:latin typeface="微軟正黑體" pitchFamily="34" charset="-120"/>
                 <a:ea typeface="微軟正黑體" pitchFamily="34" charset="-120"/>
               </a:rPr>
               <a:t>祢</a:t>
             </a:r>
             <a:endParaRPr lang="zh-TW" altLang="en-US" sz="5400" b="1" dirty="0">
+              <a:solidFill>
+                <a:srgbClr val="000066"/>
+              </a:solidFill>
               <a:latin typeface="微軟正黑體" pitchFamily="34" charset="-120"/>
               <a:ea typeface="微軟正黑體" pitchFamily="34" charset="-120"/>
             </a:endParaRPr>
@@ -3305,12 +3368,18 @@
           <a:p>
             <a:r>
               <a:rPr lang="zh-TW" altLang="en-US" b="1" dirty="0">
+                <a:solidFill>
+                  <a:srgbClr val="000066"/>
+                </a:solidFill>
                 <a:latin typeface="微軟正黑體" pitchFamily="34" charset="-120"/>
                 <a:ea typeface="微軟正黑體" pitchFamily="34" charset="-120"/>
               </a:rPr>
               <a:t>愛祢到底</a:t>
             </a:r>
             <a:endParaRPr lang="zh-TW" altLang="en-US" dirty="0">
+              <a:solidFill>
+                <a:srgbClr val="000066"/>
+              </a:solidFill>
               <a:latin typeface="微軟正黑體" pitchFamily="34" charset="-120"/>
               <a:ea typeface="微軟正黑體" pitchFamily="34" charset="-120"/>
             </a:endParaRPr>
@@ -3344,6 +3413,9 @@
             </a:pPr>
             <a:r>
               <a:rPr lang="zh-TW" altLang="en-US" sz="5400" b="1" dirty="0">
+                <a:solidFill>
+                  <a:srgbClr val="000066"/>
+                </a:solidFill>
                 <a:latin typeface="微軟正黑體" pitchFamily="34" charset="-120"/>
                 <a:ea typeface="微軟正黑體" pitchFamily="34" charset="-120"/>
               </a:rPr>
@@ -3351,12 +3423,18 @@
             </a:r>
             <a:r>
               <a:rPr lang="zh-TW" altLang="en-US" sz="5400" b="1" dirty="0" smtClean="0">
+                <a:solidFill>
+                  <a:srgbClr val="000066"/>
+                </a:solidFill>
                 <a:latin typeface="微軟正黑體" pitchFamily="34" charset="-120"/>
                 <a:ea typeface="微軟正黑體" pitchFamily="34" charset="-120"/>
               </a:rPr>
               <a:t>應許</a:t>
             </a:r>
             <a:endParaRPr lang="en-US" altLang="zh-TW" sz="5400" b="1" dirty="0">
+              <a:solidFill>
+                <a:srgbClr val="000066"/>
+              </a:solidFill>
               <a:latin typeface="微軟正黑體" pitchFamily="34" charset="-120"/>
               <a:ea typeface="微軟正黑體" pitchFamily="34" charset="-120"/>
             </a:endParaRPr>
@@ -3367,6 +3445,9 @@
             </a:pPr>
             <a:r>
               <a:rPr lang="zh-TW" altLang="en-US" sz="5400" b="1" dirty="0" smtClean="0">
+                <a:solidFill>
+                  <a:srgbClr val="000066"/>
+                </a:solidFill>
                 <a:latin typeface="微軟正黑體" pitchFamily="34" charset="-120"/>
                 <a:ea typeface="微軟正黑體" pitchFamily="34" charset="-120"/>
               </a:rPr>
@@ -3374,6 +3455,9 @@
             </a:r>
             <a:r>
               <a:rPr lang="zh-TW" altLang="en-US" sz="5400" b="1" dirty="0">
+                <a:solidFill>
+                  <a:srgbClr val="000066"/>
+                </a:solidFill>
                 <a:latin typeface="微軟正黑體" pitchFamily="34" charset="-120"/>
                 <a:ea typeface="微軟正黑體" pitchFamily="34" charset="-120"/>
               </a:rPr>
@@ -3381,12 +3465,18 @@
             </a:r>
             <a:r>
               <a:rPr lang="zh-TW" altLang="en-US" sz="5400" b="1" dirty="0" smtClean="0">
+                <a:solidFill>
+                  <a:srgbClr val="000066"/>
+                </a:solidFill>
                 <a:latin typeface="微軟正黑體" pitchFamily="34" charset="-120"/>
                 <a:ea typeface="微軟正黑體" pitchFamily="34" charset="-120"/>
               </a:rPr>
               <a:t>棄</a:t>
             </a:r>
             <a:endParaRPr lang="en-US" altLang="zh-TW" sz="5400" b="1" dirty="0" smtClean="0">
+              <a:solidFill>
+                <a:srgbClr val="000066"/>
+              </a:solidFill>
               <a:latin typeface="微軟正黑體" pitchFamily="34" charset="-120"/>
               <a:ea typeface="微軟正黑體" pitchFamily="34" charset="-120"/>
             </a:endParaRPr>
@@ -3397,6 +3487,9 @@
             </a:pPr>
             <a:r>
               <a:rPr lang="zh-TW" altLang="en-US" sz="5400" b="1" dirty="0" smtClean="0">
+                <a:solidFill>
+                  <a:srgbClr val="000066"/>
+                </a:solidFill>
                 <a:latin typeface="微軟正黑體" pitchFamily="34" charset="-120"/>
                 <a:ea typeface="微軟正黑體" pitchFamily="34" charset="-120"/>
               </a:rPr>
@@ -3404,6 +3497,9 @@
             </a:r>
             <a:r>
               <a:rPr lang="zh-TW" altLang="en-US" sz="5400" b="1" dirty="0">
+                <a:solidFill>
+                  <a:srgbClr val="000066"/>
+                </a:solidFill>
                 <a:latin typeface="微軟正黑體" pitchFamily="34" charset="-120"/>
                 <a:ea typeface="微軟正黑體" pitchFamily="34" charset="-120"/>
               </a:rPr>
@@ -3411,12 +3507,18 @@
             </a:r>
             <a:r>
               <a:rPr lang="zh-TW" altLang="en-US" sz="5400" b="1" dirty="0" smtClean="0">
+                <a:solidFill>
+                  <a:srgbClr val="000066"/>
+                </a:solidFill>
                 <a:latin typeface="微軟正黑體" pitchFamily="34" charset="-120"/>
                 <a:ea typeface="微軟正黑體" pitchFamily="34" charset="-120"/>
               </a:rPr>
               <a:t>效力</a:t>
             </a:r>
             <a:endParaRPr lang="en-US" altLang="zh-TW" sz="5400" b="1" dirty="0" smtClean="0">
+              <a:solidFill>
+                <a:srgbClr val="000066"/>
+              </a:solidFill>
               <a:latin typeface="微軟正黑體" pitchFamily="34" charset="-120"/>
               <a:ea typeface="微軟正黑體" pitchFamily="34" charset="-120"/>
             </a:endParaRPr>
@@ -3427,6 +3529,9 @@
             </a:pPr>
             <a:r>
               <a:rPr lang="zh-TW" altLang="en-US" sz="5400" b="1" dirty="0" smtClean="0">
+                <a:solidFill>
+                  <a:srgbClr val="000066"/>
+                </a:solidFill>
                 <a:latin typeface="微軟正黑體" pitchFamily="34" charset="-120"/>
                 <a:ea typeface="微軟正黑體" pitchFamily="34" charset="-120"/>
               </a:rPr>
@@ -3434,6 +3539,9 @@
             </a:r>
             <a:r>
               <a:rPr lang="zh-TW" altLang="en-US" sz="5400" b="1" dirty="0">
+                <a:solidFill>
+                  <a:srgbClr val="000066"/>
+                </a:solidFill>
                 <a:latin typeface="微軟正黑體" pitchFamily="34" charset="-120"/>
                 <a:ea typeface="微軟正黑體" pitchFamily="34" charset="-120"/>
               </a:rPr>
@@ -3441,12 +3549,18 @@
             </a:r>
             <a:r>
               <a:rPr lang="zh-TW" altLang="en-US" sz="5400" b="1" dirty="0" smtClean="0">
+                <a:solidFill>
+                  <a:srgbClr val="000066"/>
+                </a:solidFill>
                 <a:latin typeface="微軟正黑體" pitchFamily="34" charset="-120"/>
                 <a:ea typeface="微軟正黑體" pitchFamily="34" charset="-120"/>
               </a:rPr>
               <a:t>到底</a:t>
             </a:r>
             <a:endParaRPr lang="zh-TW" altLang="en-US" sz="5400" b="1" dirty="0">
+              <a:solidFill>
+                <a:srgbClr val="000066"/>
+              </a:solidFill>
               <a:latin typeface="微軟正黑體" pitchFamily="34" charset="-120"/>
               <a:ea typeface="微軟正黑體" pitchFamily="34" charset="-120"/>
             </a:endParaRPr>
@@ -3495,12 +3609,18 @@
           <a:p>
             <a:r>
               <a:rPr lang="zh-TW" altLang="en-US" b="1" dirty="0">
+                <a:solidFill>
+                  <a:srgbClr val="000066"/>
+                </a:solidFill>
                 <a:latin typeface="微軟正黑體" pitchFamily="34" charset="-120"/>
                 <a:ea typeface="微軟正黑體" pitchFamily="34" charset="-120"/>
               </a:rPr>
               <a:t>愛祢到底</a:t>
             </a:r>
             <a:endParaRPr lang="zh-TW" altLang="en-US" dirty="0">
+              <a:solidFill>
+                <a:srgbClr val="000066"/>
+              </a:solidFill>
               <a:latin typeface="微軟正黑體" pitchFamily="34" charset="-120"/>
               <a:ea typeface="微軟正黑體" pitchFamily="34" charset="-120"/>
             </a:endParaRPr>
@@ -3534,6 +3654,9 @@
             </a:pPr>
             <a:r>
               <a:rPr lang="zh-TW" altLang="en-US" sz="5400" b="1" dirty="0">
+                <a:solidFill>
+                  <a:srgbClr val="000066"/>
+                </a:solidFill>
                 <a:latin typeface="微軟正黑體" pitchFamily="34" charset="-120"/>
                 <a:ea typeface="微軟正黑體" pitchFamily="34" charset="-120"/>
               </a:rPr>
@@ -3541,12 +3664,18 @@
             </a:r>
             <a:r>
               <a:rPr lang="zh-TW" altLang="en-US" sz="5400" b="1" dirty="0" smtClean="0">
+                <a:solidFill>
+                  <a:srgbClr val="000066"/>
+                </a:solidFill>
                 <a:latin typeface="微軟正黑體" pitchFamily="34" charset="-120"/>
                 <a:ea typeface="微軟正黑體" pitchFamily="34" charset="-120"/>
               </a:rPr>
               <a:t>感謝</a:t>
             </a:r>
             <a:endParaRPr lang="en-US" altLang="zh-TW" sz="5400" b="1" dirty="0" smtClean="0">
+              <a:solidFill>
+                <a:srgbClr val="000066"/>
+              </a:solidFill>
               <a:latin typeface="微軟正黑體" pitchFamily="34" charset="-120"/>
               <a:ea typeface="微軟正黑體" pitchFamily="34" charset="-120"/>
             </a:endParaRPr>
@@ -3557,6 +3686,9 @@
             </a:pPr>
             <a:r>
               <a:rPr lang="zh-TW" altLang="en-US" sz="5400" b="1" dirty="0" smtClean="0">
+                <a:solidFill>
+                  <a:srgbClr val="000066"/>
+                </a:solidFill>
                 <a:latin typeface="微軟正黑體" pitchFamily="34" charset="-120"/>
                 <a:ea typeface="微軟正黑體" pitchFamily="34" charset="-120"/>
               </a:rPr>
@@ -3564,6 +3696,9 @@
             </a:r>
             <a:r>
               <a:rPr lang="zh-TW" altLang="en-US" sz="5400" b="1" dirty="0">
+                <a:solidFill>
+                  <a:srgbClr val="000066"/>
+                </a:solidFill>
                 <a:latin typeface="微軟正黑體" pitchFamily="34" charset="-120"/>
                 <a:ea typeface="微軟正黑體" pitchFamily="34" charset="-120"/>
               </a:rPr>
@@ -3571,12 +3706,18 @@
             </a:r>
             <a:r>
               <a:rPr lang="zh-TW" altLang="en-US" sz="5400" b="1" dirty="0" smtClean="0">
+                <a:solidFill>
+                  <a:srgbClr val="000066"/>
+                </a:solidFill>
                 <a:latin typeface="微軟正黑體" pitchFamily="34" charset="-120"/>
                 <a:ea typeface="微軟正黑體" pitchFamily="34" charset="-120"/>
               </a:rPr>
               <a:t>名</a:t>
             </a:r>
             <a:endParaRPr lang="en-US" altLang="zh-TW" sz="5400" b="1" dirty="0" smtClean="0">
+              <a:solidFill>
+                <a:srgbClr val="000066"/>
+              </a:solidFill>
               <a:latin typeface="微軟正黑體" pitchFamily="34" charset="-120"/>
               <a:ea typeface="微軟正黑體" pitchFamily="34" charset="-120"/>
             </a:endParaRPr>
@@ -3587,6 +3728,9 @@
             </a:pPr>
             <a:r>
               <a:rPr lang="zh-TW" altLang="en-US" sz="5400" b="1" dirty="0" smtClean="0">
+                <a:solidFill>
+                  <a:srgbClr val="000066"/>
+                </a:solidFill>
                 <a:latin typeface="微軟正黑體" pitchFamily="34" charset="-120"/>
                 <a:ea typeface="微軟正黑體" pitchFamily="34" charset="-120"/>
               </a:rPr>
@@ -3594,6 +3738,9 @@
             </a:r>
             <a:r>
               <a:rPr lang="zh-TW" altLang="en-US" sz="5400" b="1" dirty="0">
+                <a:solidFill>
+                  <a:srgbClr val="000066"/>
+                </a:solidFill>
                 <a:latin typeface="微軟正黑體" pitchFamily="34" charset="-120"/>
                 <a:ea typeface="微軟正黑體" pitchFamily="34" charset="-120"/>
               </a:rPr>
@@ -3601,12 +3748,18 @@
             </a:r>
             <a:r>
               <a:rPr lang="zh-TW" altLang="en-US" sz="5400" b="1" dirty="0" smtClean="0">
+                <a:solidFill>
+                  <a:srgbClr val="000066"/>
+                </a:solidFill>
                 <a:latin typeface="微軟正黑體" pitchFamily="34" charset="-120"/>
                 <a:ea typeface="微軟正黑體" pitchFamily="34" charset="-120"/>
               </a:rPr>
               <a:t>親近</a:t>
             </a:r>
             <a:endParaRPr lang="en-US" altLang="zh-TW" sz="5400" b="1" dirty="0" smtClean="0">
+              <a:solidFill>
+                <a:srgbClr val="000066"/>
+              </a:solidFill>
               <a:latin typeface="微軟正黑體" pitchFamily="34" charset="-120"/>
               <a:ea typeface="微軟正黑體" pitchFamily="34" charset="-120"/>
             </a:endParaRPr>
@@ -3617,6 +3770,9 @@
             </a:pPr>
             <a:r>
               <a:rPr lang="zh-TW" altLang="en-US" sz="5400" b="1" dirty="0" smtClean="0">
+                <a:solidFill>
+                  <a:srgbClr val="000066"/>
+                </a:solidFill>
                 <a:latin typeface="微軟正黑體" pitchFamily="34" charset="-120"/>
                 <a:ea typeface="微軟正黑體" pitchFamily="34" charset="-120"/>
               </a:rPr>
@@ -3624,6 +3780,9 @@
             </a:r>
             <a:r>
               <a:rPr lang="zh-TW" altLang="en-US" sz="5400" b="1" dirty="0">
+                <a:solidFill>
+                  <a:srgbClr val="000066"/>
+                </a:solidFill>
                 <a:latin typeface="微軟正黑體" pitchFamily="34" charset="-120"/>
                 <a:ea typeface="微軟正黑體" pitchFamily="34" charset="-120"/>
               </a:rPr>

--- a/愛祢到底.pptx
+++ b/愛祢到底.pptx
@@ -291,7 +291,7 @@
             <a:fld id="{B1E1B25A-991E-4DF1-8691-3294049894C5}" type="datetimeFigureOut">
               <a:rPr lang="zh-TW" altLang="en-US" smtClean="0"/>
               <a:pPr/>
-              <a:t>2019/1/19</a:t>
+              <a:t>2019/4/28</a:t>
             </a:fld>
             <a:endParaRPr lang="zh-TW" altLang="en-US"/>
           </a:p>
@@ -458,7 +458,7 @@
             <a:fld id="{B1E1B25A-991E-4DF1-8691-3294049894C5}" type="datetimeFigureOut">
               <a:rPr lang="zh-TW" altLang="en-US" smtClean="0"/>
               <a:pPr/>
-              <a:t>2019/1/19</a:t>
+              <a:t>2019/4/28</a:t>
             </a:fld>
             <a:endParaRPr lang="zh-TW" altLang="en-US"/>
           </a:p>
@@ -635,7 +635,7 @@
             <a:fld id="{B1E1B25A-991E-4DF1-8691-3294049894C5}" type="datetimeFigureOut">
               <a:rPr lang="zh-TW" altLang="en-US" smtClean="0"/>
               <a:pPr/>
-              <a:t>2019/1/19</a:t>
+              <a:t>2019/4/28</a:t>
             </a:fld>
             <a:endParaRPr lang="zh-TW" altLang="en-US"/>
           </a:p>
@@ -802,7 +802,7 @@
             <a:fld id="{B1E1B25A-991E-4DF1-8691-3294049894C5}" type="datetimeFigureOut">
               <a:rPr lang="zh-TW" altLang="en-US" smtClean="0"/>
               <a:pPr/>
-              <a:t>2019/1/19</a:t>
+              <a:t>2019/4/28</a:t>
             </a:fld>
             <a:endParaRPr lang="zh-TW" altLang="en-US"/>
           </a:p>
@@ -1045,7 +1045,7 @@
             <a:fld id="{B1E1B25A-991E-4DF1-8691-3294049894C5}" type="datetimeFigureOut">
               <a:rPr lang="zh-TW" altLang="en-US" smtClean="0"/>
               <a:pPr/>
-              <a:t>2019/1/19</a:t>
+              <a:t>2019/4/28</a:t>
             </a:fld>
             <a:endParaRPr lang="zh-TW" altLang="en-US"/>
           </a:p>
@@ -1330,7 +1330,7 @@
             <a:fld id="{B1E1B25A-991E-4DF1-8691-3294049894C5}" type="datetimeFigureOut">
               <a:rPr lang="zh-TW" altLang="en-US" smtClean="0"/>
               <a:pPr/>
-              <a:t>2019/1/19</a:t>
+              <a:t>2019/4/28</a:t>
             </a:fld>
             <a:endParaRPr lang="zh-TW" altLang="en-US"/>
           </a:p>
@@ -1749,7 +1749,7 @@
             <a:fld id="{B1E1B25A-991E-4DF1-8691-3294049894C5}" type="datetimeFigureOut">
               <a:rPr lang="zh-TW" altLang="en-US" smtClean="0"/>
               <a:pPr/>
-              <a:t>2019/1/19</a:t>
+              <a:t>2019/4/28</a:t>
             </a:fld>
             <a:endParaRPr lang="zh-TW" altLang="en-US"/>
           </a:p>
@@ -1864,7 +1864,7 @@
             <a:fld id="{B1E1B25A-991E-4DF1-8691-3294049894C5}" type="datetimeFigureOut">
               <a:rPr lang="zh-TW" altLang="en-US" smtClean="0"/>
               <a:pPr/>
-              <a:t>2019/1/19</a:t>
+              <a:t>2019/4/28</a:t>
             </a:fld>
             <a:endParaRPr lang="zh-TW" altLang="en-US"/>
           </a:p>
@@ -1956,7 +1956,7 @@
             <a:fld id="{B1E1B25A-991E-4DF1-8691-3294049894C5}" type="datetimeFigureOut">
               <a:rPr lang="zh-TW" altLang="en-US" smtClean="0"/>
               <a:pPr/>
-              <a:t>2019/1/19</a:t>
+              <a:t>2019/4/28</a:t>
             </a:fld>
             <a:endParaRPr lang="zh-TW" altLang="en-US"/>
           </a:p>
@@ -2230,7 +2230,7 @@
             <a:fld id="{B1E1B25A-991E-4DF1-8691-3294049894C5}" type="datetimeFigureOut">
               <a:rPr lang="zh-TW" altLang="en-US" smtClean="0"/>
               <a:pPr/>
-              <a:t>2019/1/19</a:t>
+              <a:t>2019/4/28</a:t>
             </a:fld>
             <a:endParaRPr lang="zh-TW" altLang="en-US"/>
           </a:p>
@@ -2484,7 +2484,7 @@
             <a:fld id="{B1E1B25A-991E-4DF1-8691-3294049894C5}" type="datetimeFigureOut">
               <a:rPr lang="zh-TW" altLang="en-US" smtClean="0"/>
               <a:pPr/>
-              <a:t>2019/1/19</a:t>
+              <a:t>2019/4/28</a:t>
             </a:fld>
             <a:endParaRPr lang="zh-TW" altLang="en-US"/>
           </a:p>
@@ -2699,7 +2699,7 @@
             <a:fld id="{B1E1B25A-991E-4DF1-8691-3294049894C5}" type="datetimeFigureOut">
               <a:rPr lang="zh-TW" altLang="en-US" smtClean="0"/>
               <a:pPr/>
-              <a:t>2019/1/19</a:t>
+              <a:t>2019/4/28</a:t>
             </a:fld>
             <a:endParaRPr lang="zh-TW" altLang="en-US"/>
           </a:p>
@@ -3148,7 +3148,17 @@
                 <a:latin typeface="微軟正黑體" pitchFamily="34" charset="-120"/>
                 <a:ea typeface="微軟正黑體" pitchFamily="34" charset="-120"/>
               </a:rPr>
-              <a:t>前卸下</a:t>
+              <a:t>前</a:t>
+            </a:r>
+            <a:r>
+              <a:rPr lang="zh-TW" altLang="en-US" sz="5400" b="1" dirty="0" smtClean="0">
+                <a:solidFill>
+                  <a:srgbClr val="000066"/>
+                </a:solidFill>
+                <a:latin typeface="微軟正黑體" pitchFamily="34" charset="-120"/>
+                <a:ea typeface="微軟正黑體" pitchFamily="34" charset="-120"/>
+              </a:rPr>
+              <a:t>卸 下</a:t>
             </a:r>
             <a:r>
               <a:rPr lang="zh-TW" altLang="en-US" sz="5400" b="1" dirty="0">
@@ -3235,7 +3245,7 @@
               <a:t>疲憊</a:t>
             </a:r>
             <a:r>
-              <a:rPr lang="zh-TW" altLang="en-US" sz="5400" b="1" dirty="0">
+              <a:rPr lang="zh-TW" altLang="en-US" sz="5400" b="1">
                 <a:solidFill>
                   <a:srgbClr val="000066"/>
                 </a:solidFill>
@@ -3245,14 +3255,14 @@
               <a:t>的</a:t>
             </a:r>
             <a:r>
-              <a:rPr lang="zh-TW" altLang="en-US" sz="5400" b="1" dirty="0" smtClean="0">
+              <a:rPr lang="zh-TW" altLang="en-US" sz="5400" b="1" smtClean="0">
                 <a:solidFill>
                   <a:srgbClr val="000066"/>
                 </a:solidFill>
                 <a:latin typeface="微軟正黑體" pitchFamily="34" charset="-120"/>
                 <a:ea typeface="微軟正黑體" pitchFamily="34" charset="-120"/>
               </a:rPr>
-              <a:t>心在</a:t>
+              <a:t>心  在</a:t>
             </a:r>
             <a:r>
               <a:rPr lang="zh-TW" altLang="en-US" sz="5400" b="1" dirty="0">
